--- a/_thesis/images/image-prototypes.pptx
+++ b/_thesis/images/image-prototypes.pptx
@@ -5,13 +5,14 @@
     <p:sldMasterId id="2147483648" r:id="rId1"/>
   </p:sldMasterIdLst>
   <p:notesMasterIdLst>
-    <p:notesMasterId r:id="rId4"/>
+    <p:notesMasterId r:id="rId5"/>
   </p:notesMasterIdLst>
   <p:handoutMasterIdLst>
-    <p:handoutMasterId r:id="rId5"/>
+    <p:handoutMasterId r:id="rId6"/>
   </p:handoutMasterIdLst>
   <p:sldIdLst>
     <p:sldId id="257" r:id="rId3"/>
+    <p:sldId id="258" r:id="rId4"/>
   </p:sldIdLst>
   <p:sldSz cx="12192000" cy="6858000"/>
   <p:notesSz cx="7103745" cy="10234295"/>
@@ -618,6 +619,62 @@
 </p:notesMaster>
 </file>
 
+<file path=ppt/notesSlides/notesSlide1.xml><?xml version="1.0" encoding="utf-8"?>
+<p:notes xmlns:a="http://schemas.openxmlformats.org/drawingml/2006/main" xmlns:r="http://schemas.openxmlformats.org/officeDocument/2006/relationships" xmlns:p="http://schemas.openxmlformats.org/presentationml/2006/main">
+  <p:cSld>
+    <p:spTree>
+      <p:nvGrpSpPr>
+        <p:cNvPr id="1" name=""/>
+        <p:cNvGrpSpPr/>
+        <p:nvPr/>
+      </p:nvGrpSpPr>
+      <p:grpSpPr>
+        <a:xfrm>
+          <a:off x="0" y="0"/>
+          <a:ext cx="0" cy="0"/>
+          <a:chOff x="0" y="0"/>
+          <a:chExt cx="0" cy="0"/>
+        </a:xfrm>
+      </p:grpSpPr>
+      <p:sp>
+        <p:nvSpPr>
+          <p:cNvPr id="2" name="Slide Image Placeholder 1"/>
+          <p:cNvSpPr>
+            <a:spLocks noGrp="1" noRot="1" noChangeAspect="1"/>
+          </p:cNvSpPr>
+          <p:nvPr>
+            <p:ph type="sldImg"/>
+          </p:nvPr>
+        </p:nvSpPr>
+        <p:spPr/>
+      </p:sp>
+      <p:sp>
+        <p:nvSpPr>
+          <p:cNvPr id="3" name="Notes Placeholder 2"/>
+          <p:cNvSpPr>
+            <a:spLocks noGrp="1"/>
+          </p:cNvSpPr>
+          <p:nvPr>
+            <p:ph type="body" idx="1"/>
+          </p:nvPr>
+        </p:nvSpPr>
+        <p:spPr/>
+        <p:txBody>
+          <a:bodyPr/>
+          <a:lstStyle/>
+          <a:p>
+            <a:endParaRPr lang="en-US" dirty="0"/>
+          </a:p>
+        </p:txBody>
+      </p:sp>
+    </p:spTree>
+  </p:cSld>
+  <p:clrMapOvr>
+    <a:masterClrMapping/>
+  </p:clrMapOvr>
+</p:notes>
+</file>
+
 <file path=ppt/slideLayouts/slideLayout1.xml><?xml version="1.0" encoding="utf-8"?>
 <p:sldLayout xmlns:a="http://schemas.openxmlformats.org/drawingml/2006/main" xmlns:r="http://schemas.openxmlformats.org/officeDocument/2006/relationships" xmlns:p="http://schemas.openxmlformats.org/presentationml/2006/main" type="title" preserve="1">
   <p:cSld name="标题幻灯片">
@@ -974,6 +1031,413 @@
   <p:clrMapOvr>
     <a:masterClrMapping/>
   </p:clrMapOvr>
+</p:sldLayout>
+</file>
+
+<file path=ppt/slideLayouts/slideLayout11.xml><?xml version="1.0" encoding="utf-8"?>
+<p:sldLayout xmlns:a="http://schemas.openxmlformats.org/drawingml/2006/main" xmlns:r="http://schemas.openxmlformats.org/officeDocument/2006/relationships" xmlns:p="http://schemas.openxmlformats.org/presentationml/2006/main" type="tx">
+  <p:cSld name="Slide copy">
+    <p:spTree>
+      <p:nvGrpSpPr>
+        <p:cNvPr id="1" name=""/>
+        <p:cNvGrpSpPr/>
+        <p:nvPr/>
+      </p:nvGrpSpPr>
+      <p:grpSpPr>
+        <a:xfrm>
+          <a:off x="0" y="0"/>
+          <a:ext cx="0" cy="0"/>
+          <a:chOff x="0" y="0"/>
+          <a:chExt cx="0" cy="0"/>
+        </a:xfrm>
+      </p:grpSpPr>
+      <p:sp>
+        <p:nvSpPr>
+          <p:cNvPr id="117" name="Rectangle"/>
+          <p:cNvSpPr/>
+          <p:nvPr/>
+        </p:nvSpPr>
+        <p:spPr>
+          <a:xfrm>
+            <a:off x="-2279" y="6509448"/>
+            <a:ext cx="12623835" cy="375636"/>
+          </a:xfrm>
+          <a:prstGeom prst="rect">
+            <a:avLst/>
+          </a:prstGeom>
+          <a:solidFill>
+            <a:srgbClr val="3169B5"/>
+          </a:solidFill>
+          <a:ln w="12700">
+            <a:miter lim="400000"/>
+          </a:ln>
+          <a:effectLst>
+            <a:outerShdw blurRad="63500" dist="25400" dir="5400000" rotWithShape="0">
+              <a:srgbClr val="000000">
+                <a:alpha val="50000"/>
+              </a:srgbClr>
+            </a:outerShdw>
+          </a:effectLst>
+        </p:spPr>
+        <p:txBody>
+          <a:bodyPr lIns="0" tIns="0" rIns="0" bIns="0" anchor="ctr"/>
+          <a:lstStyle/>
+          <a:p>
+            <a:pPr defTabSz="1295400">
+              <a:buClr>
+                <a:srgbClr val="000000"/>
+              </a:buClr>
+              <a:defRPr b="0">
+                <a:uFill>
+                  <a:solidFill>
+                    <a:srgbClr val="000000"/>
+                  </a:solidFill>
+                </a:uFill>
+                <a:latin typeface="굴림"/>
+                <a:ea typeface="굴림"/>
+                <a:cs typeface="굴림"/>
+                <a:sym typeface="굴림"/>
+              </a:defRPr>
+            </a:pPr>
+            <a:endParaRPr sz="1265"/>
+          </a:p>
+        </p:txBody>
+      </p:sp>
+      <p:sp>
+        <p:nvSpPr>
+          <p:cNvPr id="118" name="Rectangle"/>
+          <p:cNvSpPr/>
+          <p:nvPr/>
+        </p:nvSpPr>
+        <p:spPr>
+          <a:xfrm>
+            <a:off x="-288029" y="-59912"/>
+            <a:ext cx="12623835" cy="846019"/>
+          </a:xfrm>
+          <a:prstGeom prst="rect">
+            <a:avLst/>
+          </a:prstGeom>
+          <a:solidFill>
+            <a:srgbClr val="3169B5"/>
+          </a:solidFill>
+          <a:ln w="12700">
+            <a:miter lim="400000"/>
+          </a:ln>
+          <a:effectLst>
+            <a:outerShdw blurRad="63500" dist="25400" dir="5400000" rotWithShape="0">
+              <a:srgbClr val="000000">
+                <a:alpha val="50000"/>
+              </a:srgbClr>
+            </a:outerShdw>
+          </a:effectLst>
+        </p:spPr>
+        <p:txBody>
+          <a:bodyPr lIns="0" tIns="0" rIns="0" bIns="0" anchor="ctr"/>
+          <a:lstStyle/>
+          <a:p>
+            <a:pPr defTabSz="1295400">
+              <a:buClr>
+                <a:srgbClr val="000000"/>
+              </a:buClr>
+              <a:defRPr b="0">
+                <a:uFill>
+                  <a:solidFill>
+                    <a:srgbClr val="000000"/>
+                  </a:solidFill>
+                </a:uFill>
+                <a:latin typeface="굴림"/>
+                <a:ea typeface="굴림"/>
+                <a:cs typeface="굴림"/>
+                <a:sym typeface="굴림"/>
+              </a:defRPr>
+            </a:pPr>
+            <a:endParaRPr sz="1265"/>
+          </a:p>
+        </p:txBody>
+      </p:sp>
+      <p:sp>
+        <p:nvSpPr>
+          <p:cNvPr id="119" name="Title Text"/>
+          <p:cNvSpPr txBox="1">
+            <a:spLocks noGrp="1"/>
+          </p:cNvSpPr>
+          <p:nvPr>
+            <p:ph type="title" hasCustomPrompt="1"/>
+          </p:nvPr>
+        </p:nvSpPr>
+        <p:spPr>
+          <a:xfrm>
+            <a:off x="302935" y="95207"/>
+            <a:ext cx="11441907" cy="535782"/>
+          </a:xfrm>
+          <a:prstGeom prst="rect">
+            <a:avLst/>
+          </a:prstGeom>
+          <a:ln>
+            <a:round/>
+          </a:ln>
+        </p:spPr>
+        <p:txBody>
+          <a:bodyPr lIns="38100" tIns="38100" rIns="38100" bIns="38100">
+            <a:noAutofit/>
+          </a:bodyPr>
+          <a:lstStyle>
+            <a:lvl1pPr defTabSz="1295400">
+              <a:defRPr sz="2815" spc="125">
+                <a:solidFill>
+                  <a:srgbClr val="FFFFFF"/>
+                </a:solidFill>
+                <a:uFill>
+                  <a:solidFill>
+                    <a:srgbClr val="5C0700"/>
+                  </a:solidFill>
+                </a:uFill>
+                <a:latin typeface="Helvetica Light"/>
+                <a:ea typeface="Helvetica Light"/>
+                <a:cs typeface="Helvetica Light"/>
+                <a:sym typeface="Helvetica Light"/>
+              </a:defRPr>
+            </a:lvl1pPr>
+          </a:lstStyle>
+          <a:p>
+            <a:r>
+              <a:t>Title Text</a:t>
+            </a:r>
+          </a:p>
+        </p:txBody>
+      </p:sp>
+      <p:sp>
+        <p:nvSpPr>
+          <p:cNvPr id="120" name="Body Level One…"/>
+          <p:cNvSpPr txBox="1">
+            <a:spLocks noGrp="1"/>
+          </p:cNvSpPr>
+          <p:nvPr>
+            <p:ph type="body" idx="1" hasCustomPrompt="1"/>
+          </p:nvPr>
+        </p:nvSpPr>
+        <p:spPr>
+          <a:xfrm>
+            <a:off x="1107280" y="1473382"/>
+            <a:ext cx="10227470" cy="4857751"/>
+          </a:xfrm>
+          <a:prstGeom prst="rect">
+            <a:avLst/>
+          </a:prstGeom>
+        </p:spPr>
+        <p:txBody>
+          <a:bodyPr lIns="38100" tIns="38100" rIns="38100" bIns="38100" anchor="t">
+            <a:noAutofit/>
+          </a:bodyPr>
+          <a:lstStyle>
+            <a:lvl1pPr marL="178435" indent="-178435" algn="just" defTabSz="1295400">
+              <a:lnSpc>
+                <a:spcPct val="120000"/>
+              </a:lnSpc>
+              <a:spcBef>
+                <a:spcPts val="1405"/>
+              </a:spcBef>
+              <a:buSzPct val="131000"/>
+              <a:defRPr sz="1970">
+                <a:solidFill>
+                  <a:srgbClr val="212121"/>
+                </a:solidFill>
+                <a:uFill>
+                  <a:solidFill>
+                    <a:srgbClr val="212121"/>
+                  </a:solidFill>
+                </a:uFill>
+                <a:latin typeface="Helvetica Light"/>
+                <a:ea typeface="Helvetica Light"/>
+                <a:cs typeface="Helvetica Light"/>
+                <a:sym typeface="Helvetica Light"/>
+              </a:defRPr>
+            </a:lvl1pPr>
+            <a:lvl2pPr marL="500380" indent="-178435" algn="just" defTabSz="1295400">
+              <a:lnSpc>
+                <a:spcPct val="120000"/>
+              </a:lnSpc>
+              <a:spcBef>
+                <a:spcPct val="197000"/>
+              </a:spcBef>
+              <a:buSzPct val="117000"/>
+              <a:defRPr sz="1690">
+                <a:solidFill>
+                  <a:srgbClr val="212121"/>
+                </a:solidFill>
+                <a:uFill>
+                  <a:solidFill>
+                    <a:srgbClr val="212121"/>
+                  </a:solidFill>
+                </a:uFill>
+                <a:latin typeface="Helvetica Light"/>
+                <a:ea typeface="Helvetica Light"/>
+                <a:cs typeface="Helvetica Light"/>
+                <a:sym typeface="Helvetica Light"/>
+              </a:defRPr>
+            </a:lvl2pPr>
+            <a:lvl3pPr marL="803910" indent="-160655" algn="just" defTabSz="1295400">
+              <a:lnSpc>
+                <a:spcPct val="120000"/>
+              </a:lnSpc>
+              <a:spcBef>
+                <a:spcPts val="420"/>
+              </a:spcBef>
+              <a:buClr>
+                <a:srgbClr val="232323"/>
+              </a:buClr>
+              <a:buSzPct val="100000"/>
+              <a:defRPr sz="1690">
+                <a:solidFill>
+                  <a:srgbClr val="53585F"/>
+                </a:solidFill>
+                <a:uFill>
+                  <a:solidFill>
+                    <a:srgbClr val="CE1C00"/>
+                  </a:solidFill>
+                </a:uFill>
+                <a:latin typeface="Calibri" panose="020F0502020204030204"/>
+                <a:ea typeface="Calibri" panose="020F0502020204030204"/>
+                <a:cs typeface="Calibri" panose="020F0502020204030204"/>
+                <a:sym typeface="Calibri" panose="020F0502020204030204"/>
+              </a:defRPr>
+            </a:lvl3pPr>
+            <a:lvl4pPr marL="1125220" indent="-160655" defTabSz="1295400">
+              <a:lnSpc>
+                <a:spcPct val="120000"/>
+              </a:lnSpc>
+              <a:spcBef>
+                <a:spcPts val="560"/>
+              </a:spcBef>
+              <a:buClr>
+                <a:srgbClr val="D4945E"/>
+              </a:buClr>
+              <a:buSzPct val="100000"/>
+              <a:buFont typeface="Arial" panose="020B0604020202020204"/>
+              <a:defRPr sz="1265">
+                <a:uFill>
+                  <a:solidFill>
+                    <a:srgbClr val="000000"/>
+                  </a:solidFill>
+                </a:uFill>
+                <a:latin typeface="Georgia" panose="02040502050405020303"/>
+                <a:ea typeface="Georgia" panose="02040502050405020303"/>
+                <a:cs typeface="Georgia" panose="02040502050405020303"/>
+                <a:sym typeface="Georgia" panose="02040502050405020303"/>
+              </a:defRPr>
+            </a:lvl4pPr>
+            <a:lvl5pPr marL="1446530" indent="-160655" defTabSz="1295400">
+              <a:lnSpc>
+                <a:spcPct val="120000"/>
+              </a:lnSpc>
+              <a:spcBef>
+                <a:spcPts val="420"/>
+              </a:spcBef>
+              <a:buClr>
+                <a:srgbClr val="553F2C"/>
+              </a:buClr>
+              <a:buSzPct val="100000"/>
+              <a:buFont typeface="Arial" panose="020B0604020202020204"/>
+              <a:defRPr sz="1265">
+                <a:uFill>
+                  <a:solidFill>
+                    <a:srgbClr val="000000"/>
+                  </a:solidFill>
+                </a:uFill>
+                <a:latin typeface="Georgia" panose="02040502050405020303"/>
+                <a:ea typeface="Georgia" panose="02040502050405020303"/>
+                <a:cs typeface="Georgia" panose="02040502050405020303"/>
+                <a:sym typeface="Georgia" panose="02040502050405020303"/>
+              </a:defRPr>
+            </a:lvl5pPr>
+          </a:lstStyle>
+          <a:p>
+            <a:r>
+              <a:t>Body Level One</a:t>
+            </a:r>
+          </a:p>
+          <a:p>
+            <a:pPr lvl="1"/>
+            <a:r>
+              <a:t>Body Level Two</a:t>
+            </a:r>
+          </a:p>
+          <a:p>
+            <a:pPr lvl="2"/>
+            <a:r>
+              <a:t>Body Level Three</a:t>
+            </a:r>
+          </a:p>
+          <a:p>
+            <a:pPr lvl="3"/>
+            <a:r>
+              <a:t>Body Level Four</a:t>
+            </a:r>
+          </a:p>
+          <a:p>
+            <a:pPr lvl="4"/>
+            <a:r>
+              <a:t>Body Level Five</a:t>
+            </a:r>
+          </a:p>
+        </p:txBody>
+      </p:sp>
+      <p:sp>
+        <p:nvSpPr>
+          <p:cNvPr id="121" name="Slide Number"/>
+          <p:cNvSpPr txBox="1">
+            <a:spLocks noGrp="1"/>
+          </p:cNvSpPr>
+          <p:nvPr>
+            <p:ph type="sldNum" sz="quarter" idx="2"/>
+          </p:nvPr>
+        </p:nvSpPr>
+        <p:spPr>
+          <a:xfrm>
+            <a:off x="5949720" y="6585645"/>
+            <a:ext cx="295238" cy="223243"/>
+          </a:xfrm>
+          <a:prstGeom prst="rect">
+            <a:avLst/>
+          </a:prstGeom>
+          <a:ln>
+            <a:round/>
+          </a:ln>
+        </p:spPr>
+        <p:txBody>
+          <a:bodyPr lIns="38100" tIns="38100" rIns="38100" bIns="38100" anchor="ctr"/>
+          <a:lstStyle>
+            <a:lvl1pPr defTabSz="1295400">
+              <a:defRPr>
+                <a:solidFill>
+                  <a:srgbClr val="FFFFFF"/>
+                </a:solidFill>
+                <a:uFill>
+                  <a:solidFill>
+                    <a:srgbClr val="929292"/>
+                  </a:solidFill>
+                </a:uFill>
+                <a:latin typeface="굴림"/>
+                <a:ea typeface="굴림"/>
+                <a:cs typeface="굴림"/>
+                <a:sym typeface="굴림"/>
+              </a:defRPr>
+            </a:lvl1pPr>
+          </a:lstStyle>
+          <a:p>
+            <a:fld id="{86CB4B4D-7CA3-9044-876B-883B54F8677D}" type="slidenum">
+              <a:rPr/>
+            </a:fld>
+            <a:endParaRPr/>
+          </a:p>
+        </p:txBody>
+      </p:sp>
+    </p:spTree>
+  </p:cSld>
+  <p:clrMapOvr>
+    <a:masterClrMapping/>
+  </p:clrMapOvr>
+  <p:transition spd="med"/>
 </p:sldLayout>
 </file>
 
@@ -3223,6 +3687,7 @@
     <p:sldLayoutId id="2147483656" r:id="rId8"/>
     <p:sldLayoutId id="2147483657" r:id="rId9"/>
     <p:sldLayoutId id="2147483658" r:id="rId10"/>
+    <p:sldLayoutId id="2147483659" r:id="rId11"/>
   </p:sldLayoutIdLst>
   <p:txStyles>
     <p:titleStyle>
@@ -3830,6 +4295,373 @@
   <p:clrMapOvr>
     <a:masterClrMapping/>
   </p:clrMapOvr>
+</p:sld>
+</file>
+
+<file path=ppt/slides/slide2.xml><?xml version="1.0" encoding="utf-8"?>
+<p:sld xmlns:a="http://schemas.openxmlformats.org/drawingml/2006/main" xmlns:r="http://schemas.openxmlformats.org/officeDocument/2006/relationships" xmlns:p="http://schemas.openxmlformats.org/presentationml/2006/main">
+  <p:cSld>
+    <p:spTree>
+      <p:nvGrpSpPr>
+        <p:cNvPr id="1" name=""/>
+        <p:cNvGrpSpPr/>
+        <p:nvPr/>
+      </p:nvGrpSpPr>
+      <p:grpSpPr>
+        <a:xfrm>
+          <a:off x="0" y="0"/>
+          <a:ext cx="0" cy="0"/>
+          <a:chOff x="0" y="0"/>
+          <a:chExt cx="0" cy="0"/>
+        </a:xfrm>
+      </p:grpSpPr>
+      <p:sp>
+        <p:nvSpPr>
+          <p:cNvPr id="3" name="Text Placeholder 2"/>
+          <p:cNvSpPr>
+            <a:spLocks noGrp="1"/>
+          </p:cNvSpPr>
+          <p:nvPr>
+            <p:ph type="body" idx="1"/>
+          </p:nvPr>
+        </p:nvSpPr>
+        <p:spPr>
+          <a:xfrm>
+            <a:off x="2028566" y="991413"/>
+            <a:ext cx="8136875" cy="5233806"/>
+          </a:xfrm>
+        </p:spPr>
+        <p:txBody>
+          <a:bodyPr/>
+          <a:lstStyle/>
+          <a:p>
+            <a:r>
+              <a:rPr lang="en-US" dirty="0" smtClean="0">
+                <a:latin typeface="Times New Roman" panose="02020603050405020304" charset="0"/>
+                <a:cs typeface="Times New Roman" panose="02020603050405020304" charset="0"/>
+              </a:rPr>
+              <a:t>Policy gradient training:</a:t>
+            </a:r>
+            <a:endParaRPr lang="en-US" dirty="0" smtClean="0">
+              <a:latin typeface="Times New Roman" panose="02020603050405020304" charset="0"/>
+              <a:cs typeface="Times New Roman" panose="02020603050405020304" charset="0"/>
+            </a:endParaRPr>
+          </a:p>
+          <a:p>
+            <a:pPr marL="0" indent="0">
+              <a:buNone/>
+            </a:pPr>
+            <a:endParaRPr lang="en-US" dirty="0" smtClean="0">
+              <a:latin typeface="Times New Roman" panose="02020603050405020304" charset="0"/>
+              <a:cs typeface="Times New Roman" panose="02020603050405020304" charset="0"/>
+            </a:endParaRPr>
+          </a:p>
+          <a:p>
+            <a:r>
+              <a:rPr lang="en-US" dirty="0" smtClean="0">
+                <a:latin typeface="Times New Roman" panose="02020603050405020304" charset="0"/>
+                <a:cs typeface="Times New Roman" panose="02020603050405020304" charset="0"/>
+              </a:rPr>
+              <a:t>Actor network update:</a:t>
+            </a:r>
+            <a:endParaRPr lang="en-US" dirty="0" smtClean="0">
+              <a:latin typeface="Times New Roman" panose="02020603050405020304" charset="0"/>
+              <a:cs typeface="Times New Roman" panose="02020603050405020304" charset="0"/>
+            </a:endParaRPr>
+          </a:p>
+          <a:p>
+            <a:pPr marL="0" indent="0">
+              <a:buNone/>
+            </a:pPr>
+            <a:endParaRPr lang="en-US" dirty="0" smtClean="0">
+              <a:latin typeface="Times New Roman" panose="02020603050405020304" charset="0"/>
+              <a:cs typeface="Times New Roman" panose="02020603050405020304" charset="0"/>
+            </a:endParaRPr>
+          </a:p>
+          <a:p>
+            <a:pPr>
+              <a:buFont typeface="Arial" panose="020B0604020202020204" pitchFamily="34" charset="0"/>
+              <a:buChar char="•"/>
+            </a:pPr>
+            <a:r>
+              <a:rPr lang="en-US" dirty="0" smtClean="0">
+                <a:latin typeface="Times New Roman" panose="02020603050405020304" charset="0"/>
+                <a:cs typeface="Times New Roman" panose="02020603050405020304" charset="0"/>
+              </a:rPr>
+              <a:t>Temporal difference for critic network:</a:t>
+            </a:r>
+            <a:endParaRPr lang="en-US" dirty="0" smtClean="0">
+              <a:latin typeface="Times New Roman" panose="02020603050405020304" charset="0"/>
+              <a:cs typeface="Times New Roman" panose="02020603050405020304" charset="0"/>
+            </a:endParaRPr>
+          </a:p>
+          <a:p>
+            <a:pPr marL="0" indent="0">
+              <a:buNone/>
+            </a:pPr>
+            <a:endParaRPr lang="en-US" dirty="0" smtClean="0">
+              <a:latin typeface="Times New Roman" panose="02020603050405020304" charset="0"/>
+              <a:cs typeface="Times New Roman" panose="02020603050405020304" charset="0"/>
+            </a:endParaRPr>
+          </a:p>
+          <a:p>
+            <a:pPr>
+              <a:buFont typeface="Arial" panose="020B0604020202020204" pitchFamily="34" charset="0"/>
+              <a:buChar char="•"/>
+            </a:pPr>
+            <a:r>
+              <a:rPr lang="en-US" dirty="0" smtClean="0">
+                <a:latin typeface="Times New Roman" panose="02020603050405020304" charset="0"/>
+                <a:cs typeface="Times New Roman" panose="02020603050405020304" charset="0"/>
+              </a:rPr>
+              <a:t>Estimation of advantage:</a:t>
+            </a:r>
+            <a:endParaRPr lang="en-US" dirty="0" smtClean="0">
+              <a:latin typeface="Times New Roman" panose="02020603050405020304" charset="0"/>
+              <a:cs typeface="Times New Roman" panose="02020603050405020304" charset="0"/>
+            </a:endParaRPr>
+          </a:p>
+          <a:p>
+            <a:pPr>
+              <a:spcBef>
+                <a:spcPts val="600"/>
+              </a:spcBef>
+              <a:buFont typeface="Arial" panose="020B0604020202020204" pitchFamily="34" charset="0"/>
+              <a:buChar char="•"/>
+            </a:pPr>
+            <a:endParaRPr lang="en-US" dirty="0" smtClean="0">
+              <a:latin typeface="Times New Roman" panose="02020603050405020304" charset="0"/>
+              <a:cs typeface="Times New Roman" panose="02020603050405020304" charset="0"/>
+            </a:endParaRPr>
+          </a:p>
+          <a:p>
+            <a:pPr>
+              <a:buFont typeface="Arial" panose="020B0604020202020204" pitchFamily="34" charset="0"/>
+              <a:buChar char="•"/>
+            </a:pPr>
+            <a:r>
+              <a:rPr lang="en-US" dirty="0" smtClean="0">
+                <a:latin typeface="Times New Roman" panose="02020603050405020304" charset="0"/>
+                <a:cs typeface="Times New Roman" panose="02020603050405020304" charset="0"/>
+              </a:rPr>
+              <a:t>Entropy regularization to actor’s update:</a:t>
+            </a:r>
+            <a:endParaRPr lang="en-US" dirty="0">
+              <a:latin typeface="Times New Roman" panose="02020603050405020304" charset="0"/>
+              <a:cs typeface="Times New Roman" panose="02020603050405020304" charset="0"/>
+            </a:endParaRPr>
+          </a:p>
+          <a:p>
+            <a:pPr>
+              <a:buFont typeface="Arial" panose="020B0604020202020204" pitchFamily="34" charset="0"/>
+              <a:buChar char="•"/>
+            </a:pPr>
+            <a:endParaRPr lang="en-US" dirty="0" smtClean="0">
+              <a:latin typeface="Times New Roman" panose="02020603050405020304" charset="0"/>
+              <a:cs typeface="Times New Roman" panose="02020603050405020304" charset="0"/>
+            </a:endParaRPr>
+          </a:p>
+          <a:p>
+            <a:pPr marL="0" indent="0">
+              <a:buNone/>
+            </a:pPr>
+            <a:endParaRPr lang="en-US" dirty="0"/>
+          </a:p>
+        </p:txBody>
+      </p:sp>
+      <p:sp>
+        <p:nvSpPr>
+          <p:cNvPr id="4" name="Slide Number"/>
+          <p:cNvSpPr txBox="1">
+            <a:spLocks noGrp="1"/>
+          </p:cNvSpPr>
+          <p:nvPr>
+            <p:ph type="sldNum" sz="quarter" idx="2"/>
+          </p:nvPr>
+        </p:nvSpPr>
+        <p:spPr>
+          <a:xfrm>
+            <a:off x="6026020" y="6585645"/>
+            <a:ext cx="141969" cy="223243"/>
+          </a:xfrm>
+          <a:prstGeom prst="rect">
+            <a:avLst/>
+          </a:prstGeom>
+        </p:spPr>
+        <p:txBody>
+          <a:bodyPr/>
+          <a:lstStyle/>
+          <a:p>
+            <a:fld id="{86CB4B4D-7CA3-9044-876B-883B54F8677D}" type="slidenum">
+              <a:rPr sz="845"/>
+            </a:fld>
+            <a:endParaRPr sz="845" dirty="0"/>
+          </a:p>
+        </p:txBody>
+      </p:sp>
+      <p:pic>
+        <p:nvPicPr>
+          <p:cNvPr id="7" name="Picture 6"/>
+          <p:cNvPicPr>
+            <a:picLocks noChangeAspect="1"/>
+          </p:cNvPicPr>
+          <p:nvPr/>
+        </p:nvPicPr>
+        <p:blipFill>
+          <a:blip r:embed="rId1">
+            <a:extLst>
+              <a:ext uri="{28A0092B-C50C-407E-A947-70E740481C1C}">
+                <a14:useLocalDpi xmlns:a14="http://schemas.microsoft.com/office/drawing/2010/main" val="0"/>
+              </a:ext>
+            </a:extLst>
+          </a:blip>
+          <a:stretch>
+            <a:fillRect/>
+          </a:stretch>
+        </p:blipFill>
+        <p:spPr>
+          <a:xfrm>
+            <a:off x="3653586" y="1436886"/>
+            <a:ext cx="4136049" cy="637165"/>
+          </a:xfrm>
+          <a:prstGeom prst="rect">
+            <a:avLst/>
+          </a:prstGeom>
+        </p:spPr>
+      </p:pic>
+      <p:pic>
+        <p:nvPicPr>
+          <p:cNvPr id="8" name="Picture 7"/>
+          <p:cNvPicPr>
+            <a:picLocks noChangeAspect="1"/>
+          </p:cNvPicPr>
+          <p:nvPr/>
+        </p:nvPicPr>
+        <p:blipFill>
+          <a:blip r:embed="rId2">
+            <a:extLst>
+              <a:ext uri="{28A0092B-C50C-407E-A947-70E740481C1C}">
+                <a14:useLocalDpi xmlns:a14="http://schemas.microsoft.com/office/drawing/2010/main" val="0"/>
+              </a:ext>
+            </a:extLst>
+          </a:blip>
+          <a:stretch>
+            <a:fillRect/>
+          </a:stretch>
+        </p:blipFill>
+        <p:spPr>
+          <a:xfrm>
+            <a:off x="4014524" y="2662398"/>
+            <a:ext cx="3414174" cy="445648"/>
+          </a:xfrm>
+          <a:prstGeom prst="rect">
+            <a:avLst/>
+          </a:prstGeom>
+        </p:spPr>
+      </p:pic>
+      <p:pic>
+        <p:nvPicPr>
+          <p:cNvPr id="9" name="Picture 8"/>
+          <p:cNvPicPr>
+            <a:picLocks noChangeAspect="1"/>
+          </p:cNvPicPr>
+          <p:nvPr/>
+        </p:nvPicPr>
+        <p:blipFill>
+          <a:blip r:embed="rId3">
+            <a:extLst>
+              <a:ext uri="{28A0092B-C50C-407E-A947-70E740481C1C}">
+                <a14:useLocalDpi xmlns:a14="http://schemas.microsoft.com/office/drawing/2010/main" val="0"/>
+              </a:ext>
+            </a:extLst>
+          </a:blip>
+          <a:stretch>
+            <a:fillRect/>
+          </a:stretch>
+        </p:blipFill>
+        <p:spPr>
+          <a:xfrm>
+            <a:off x="3342369" y="3696394"/>
+            <a:ext cx="4758482" cy="445648"/>
+          </a:xfrm>
+          <a:prstGeom prst="rect">
+            <a:avLst/>
+          </a:prstGeom>
+        </p:spPr>
+      </p:pic>
+      <p:pic>
+        <p:nvPicPr>
+          <p:cNvPr id="10" name="Picture 9"/>
+          <p:cNvPicPr>
+            <a:picLocks noChangeAspect="1"/>
+          </p:cNvPicPr>
+          <p:nvPr/>
+        </p:nvPicPr>
+        <p:blipFill>
+          <a:blip r:embed="rId4">
+            <a:extLst>
+              <a:ext uri="{28A0092B-C50C-407E-A947-70E740481C1C}">
+                <a14:useLocalDpi xmlns:a14="http://schemas.microsoft.com/office/drawing/2010/main" val="0"/>
+              </a:ext>
+            </a:extLst>
+          </a:blip>
+          <a:stretch>
+            <a:fillRect/>
+          </a:stretch>
+        </p:blipFill>
+        <p:spPr>
+          <a:xfrm>
+            <a:off x="3834054" y="4736763"/>
+            <a:ext cx="3775112" cy="209933"/>
+          </a:xfrm>
+          <a:prstGeom prst="rect">
+            <a:avLst/>
+          </a:prstGeom>
+        </p:spPr>
+      </p:pic>
+      <p:pic>
+        <p:nvPicPr>
+          <p:cNvPr id="11" name="Picture 10"/>
+          <p:cNvPicPr>
+            <a:picLocks noChangeAspect="1"/>
+          </p:cNvPicPr>
+          <p:nvPr/>
+        </p:nvPicPr>
+        <p:blipFill>
+          <a:blip r:embed="rId5">
+            <a:extLst>
+              <a:ext uri="{28A0092B-C50C-407E-A947-70E740481C1C}">
+                <a14:useLocalDpi xmlns:a14="http://schemas.microsoft.com/office/drawing/2010/main" val="0"/>
+              </a:ext>
+            </a:extLst>
+          </a:blip>
+          <a:stretch>
+            <a:fillRect/>
+          </a:stretch>
+        </p:blipFill>
+        <p:spPr>
+          <a:xfrm>
+            <a:off x="3170070" y="5747307"/>
+            <a:ext cx="5103080" cy="438750"/>
+          </a:xfrm>
+          <a:prstGeom prst="rect">
+            <a:avLst/>
+          </a:prstGeom>
+        </p:spPr>
+      </p:pic>
+    </p:spTree>
+  </p:cSld>
+  <p:clrMapOvr>
+    <a:masterClrMapping/>
+  </p:clrMapOvr>
+  <p:transition spd="med"/>
+  <p:timing>
+    <p:tnLst>
+      <p:par>
+        <p:cTn id="1" dur="indefinite" restart="never" nodeType="tmRoot"/>
+      </p:par>
+    </p:tnLst>
+  </p:timing>
 </p:sld>
 </file>
 

--- a/_thesis/images/image-prototypes.pptx
+++ b/_thesis/images/image-prototypes.pptx
@@ -12,7 +12,7 @@
   </p:handoutMasterIdLst>
   <p:sldIdLst>
     <p:sldId id="257" r:id="rId3"/>
-    <p:sldId id="258" r:id="rId4"/>
+    <p:sldId id="260" r:id="rId4"/>
   </p:sldIdLst>
   <p:sldSz cx="12192000" cy="6858000"/>
   <p:notesSz cx="7103745" cy="10234295"/>
@@ -617,62 +617,6 @@
     </a:lvl9pPr>
   </p:notesStyle>
 </p:notesMaster>
-</file>
-
-<file path=ppt/notesSlides/notesSlide1.xml><?xml version="1.0" encoding="utf-8"?>
-<p:notes xmlns:a="http://schemas.openxmlformats.org/drawingml/2006/main" xmlns:r="http://schemas.openxmlformats.org/officeDocument/2006/relationships" xmlns:p="http://schemas.openxmlformats.org/presentationml/2006/main">
-  <p:cSld>
-    <p:spTree>
-      <p:nvGrpSpPr>
-        <p:cNvPr id="1" name=""/>
-        <p:cNvGrpSpPr/>
-        <p:nvPr/>
-      </p:nvGrpSpPr>
-      <p:grpSpPr>
-        <a:xfrm>
-          <a:off x="0" y="0"/>
-          <a:ext cx="0" cy="0"/>
-          <a:chOff x="0" y="0"/>
-          <a:chExt cx="0" cy="0"/>
-        </a:xfrm>
-      </p:grpSpPr>
-      <p:sp>
-        <p:nvSpPr>
-          <p:cNvPr id="2" name="Slide Image Placeholder 1"/>
-          <p:cNvSpPr>
-            <a:spLocks noGrp="1" noRot="1" noChangeAspect="1"/>
-          </p:cNvSpPr>
-          <p:nvPr>
-            <p:ph type="sldImg"/>
-          </p:nvPr>
-        </p:nvSpPr>
-        <p:spPr/>
-      </p:sp>
-      <p:sp>
-        <p:nvSpPr>
-          <p:cNvPr id="3" name="Notes Placeholder 2"/>
-          <p:cNvSpPr>
-            <a:spLocks noGrp="1"/>
-          </p:cNvSpPr>
-          <p:nvPr>
-            <p:ph type="body" idx="1"/>
-          </p:nvPr>
-        </p:nvSpPr>
-        <p:spPr/>
-        <p:txBody>
-          <a:bodyPr/>
-          <a:lstStyle/>
-          <a:p>
-            <a:endParaRPr lang="en-US" dirty="0"/>
-          </a:p>
-        </p:txBody>
-      </p:sp>
-    </p:spTree>
-  </p:cSld>
-  <p:clrMapOvr>
-    <a:masterClrMapping/>
-  </p:clrMapOvr>
-</p:notes>
 </file>
 
 <file path=ppt/slideLayouts/slideLayout1.xml><?xml version="1.0" encoding="utf-8"?>
@@ -4307,361 +4251,137 @@
         <p:cNvGrpSpPr/>
         <p:nvPr/>
       </p:nvGrpSpPr>
-      <p:grpSpPr>
-        <a:xfrm>
-          <a:off x="0" y="0"/>
-          <a:ext cx="0" cy="0"/>
-          <a:chOff x="0" y="0"/>
-          <a:chExt cx="0" cy="0"/>
-        </a:xfrm>
-      </p:grpSpPr>
-      <p:sp>
-        <p:nvSpPr>
-          <p:cNvPr id="3" name="Text Placeholder 2"/>
-          <p:cNvSpPr>
-            <a:spLocks noGrp="1"/>
-          </p:cNvSpPr>
-          <p:nvPr>
-            <p:ph type="body" idx="1"/>
-          </p:nvPr>
-        </p:nvSpPr>
-        <p:spPr>
-          <a:xfrm>
-            <a:off x="2028566" y="991413"/>
-            <a:ext cx="8136875" cy="5233806"/>
-          </a:xfrm>
-        </p:spPr>
+      <p:grpSpPr/>
+      <p:sp>
+        <p:nvSpPr>
+          <p:cNvPr id="2" name="标题 1"/>
+          <p:cNvSpPr>
+            <a:spLocks noGrp="1"/>
+          </p:cNvSpPr>
+          <p:nvPr>
+            <p:ph type="title"/>
+          </p:nvPr>
+        </p:nvSpPr>
+        <p:spPr/>
         <p:txBody>
           <a:bodyPr/>
-          <a:lstStyle/>
-          <a:p>
-            <a:r>
-              <a:rPr lang="en-US" dirty="0" smtClean="0">
-                <a:latin typeface="Times New Roman" panose="02020603050405020304" charset="0"/>
-                <a:cs typeface="Times New Roman" panose="02020603050405020304" charset="0"/>
+          <a:p>
+            <a:endParaRPr lang="zh-CN" altLang="en-US"/>
+          </a:p>
+        </p:txBody>
+      </p:sp>
+      <p:sp>
+        <p:nvSpPr>
+          <p:cNvPr id="3" name="内容占位符 2"/>
+          <p:cNvSpPr>
+            <a:spLocks noGrp="1"/>
+          </p:cNvSpPr>
+          <p:nvPr>
+            <p:ph idx="1"/>
+          </p:nvPr>
+        </p:nvSpPr>
+        <p:spPr/>
+        <p:txBody>
+          <a:bodyPr/>
+          <a:p>
+            <a:r>
+              <a:rPr lang="en-US" altLang="zh-CN"/>
+              <a:t>Experiment environment</a:t>
+            </a:r>
+            <a:endParaRPr lang="en-US" altLang="zh-CN"/>
+          </a:p>
+          <a:p>
+            <a:pPr lvl="1"/>
+            <a:r>
+              <a:rPr lang="en-US" altLang="zh-CN"/>
+              <a:t>Windows Subsystem for Linux, Python 3.7+, Tensorflow 1.9</a:t>
+            </a:r>
+            <a:endParaRPr lang="en-US" altLang="zh-CN"/>
+          </a:p>
+          <a:p>
+            <a:pPr lvl="1"/>
+            <a:r>
+              <a:rPr lang="en-US" altLang="zh-CN"/>
+              <a:t>Parallel agents on 4 CPU cores</a:t>
+            </a:r>
+            <a:endParaRPr lang="en-US" altLang="zh-CN"/>
+          </a:p>
+          <a:p>
+            <a:r>
+              <a:rPr lang="en-US" altLang="zh-CN">
+                <a:sym typeface="+mn-ea"/>
               </a:rPr>
-              <a:t>Policy gradient training:</a:t>
-            </a:r>
-            <a:endParaRPr lang="en-US" dirty="0" smtClean="0">
-              <a:latin typeface="Times New Roman" panose="02020603050405020304" charset="0"/>
-              <a:cs typeface="Times New Roman" panose="02020603050405020304" charset="0"/>
+              <a:t>Data trace</a:t>
+            </a:r>
+            <a:endParaRPr lang="en-US" altLang="zh-CN">
+              <a:sym typeface="+mn-ea"/>
             </a:endParaRPr>
           </a:p>
           <a:p>
-            <a:pPr marL="0" indent="0">
-              <a:buNone/>
-            </a:pPr>
-            <a:endParaRPr lang="en-US" dirty="0" smtClean="0">
-              <a:latin typeface="Times New Roman" panose="02020603050405020304" charset="0"/>
-              <a:cs typeface="Times New Roman" panose="02020603050405020304" charset="0"/>
-            </a:endParaRPr>
-          </a:p>
-          <a:p>
-            <a:r>
-              <a:rPr lang="en-US" dirty="0" smtClean="0">
-                <a:latin typeface="Times New Roman" panose="02020603050405020304" charset="0"/>
-                <a:cs typeface="Times New Roman" panose="02020603050405020304" charset="0"/>
+            <a:pPr lvl="1"/>
+            <a:r>
+              <a:rPr lang="en-US" altLang="zh-CN" sz="1800">
+                <a:sym typeface="+mn-ea"/>
               </a:rPr>
-              <a:t>Actor network update:</a:t>
-            </a:r>
-            <a:endParaRPr lang="en-US" dirty="0" smtClean="0">
-              <a:latin typeface="Times New Roman" panose="02020603050405020304" charset="0"/>
-              <a:cs typeface="Times New Roman" panose="02020603050405020304" charset="0"/>
-            </a:endParaRPr>
-          </a:p>
-          <a:p>
-            <a:pPr marL="0" indent="0">
-              <a:buNone/>
-            </a:pPr>
-            <a:endParaRPr lang="en-US" dirty="0" smtClean="0">
-              <a:latin typeface="Times New Roman" panose="02020603050405020304" charset="0"/>
-              <a:cs typeface="Times New Roman" panose="02020603050405020304" charset="0"/>
-            </a:endParaRPr>
-          </a:p>
-          <a:p>
-            <a:pPr>
-              <a:buFont typeface="Arial" panose="020B0604020202020204" pitchFamily="34" charset="0"/>
-              <a:buChar char="•"/>
-            </a:pPr>
-            <a:r>
-              <a:rPr lang="en-US" dirty="0" smtClean="0">
-                <a:latin typeface="Times New Roman" panose="02020603050405020304" charset="0"/>
-                <a:cs typeface="Times New Roman" panose="02020603050405020304" charset="0"/>
-              </a:rPr>
-              <a:t>Temporal difference for critic network:</a:t>
-            </a:r>
-            <a:endParaRPr lang="en-US" dirty="0" smtClean="0">
-              <a:latin typeface="Times New Roman" panose="02020603050405020304" charset="0"/>
-              <a:cs typeface="Times New Roman" panose="02020603050405020304" charset="0"/>
-            </a:endParaRPr>
-          </a:p>
-          <a:p>
-            <a:pPr marL="0" indent="0">
-              <a:buNone/>
-            </a:pPr>
-            <a:endParaRPr lang="en-US" dirty="0" smtClean="0">
-              <a:latin typeface="Times New Roman" panose="02020603050405020304" charset="0"/>
-              <a:cs typeface="Times New Roman" panose="02020603050405020304" charset="0"/>
-            </a:endParaRPr>
-          </a:p>
-          <a:p>
-            <a:pPr>
-              <a:buFont typeface="Arial" panose="020B0604020202020204" pitchFamily="34" charset="0"/>
-              <a:buChar char="•"/>
-            </a:pPr>
-            <a:r>
-              <a:rPr lang="en-US" dirty="0" smtClean="0">
-                <a:latin typeface="Times New Roman" panose="02020603050405020304" charset="0"/>
-                <a:cs typeface="Times New Roman" panose="02020603050405020304" charset="0"/>
-              </a:rPr>
-              <a:t>Estimation of advantage:</a:t>
-            </a:r>
-            <a:endParaRPr lang="en-US" dirty="0" smtClean="0">
-              <a:latin typeface="Times New Roman" panose="02020603050405020304" charset="0"/>
-              <a:cs typeface="Times New Roman" panose="02020603050405020304" charset="0"/>
-            </a:endParaRPr>
-          </a:p>
-          <a:p>
-            <a:pPr>
-              <a:spcBef>
-                <a:spcPts val="600"/>
-              </a:spcBef>
-              <a:buFont typeface="Arial" panose="020B0604020202020204" pitchFamily="34" charset="0"/>
-              <a:buChar char="•"/>
-            </a:pPr>
-            <a:endParaRPr lang="en-US" dirty="0" smtClean="0">
-              <a:latin typeface="Times New Roman" panose="02020603050405020304" charset="0"/>
-              <a:cs typeface="Times New Roman" panose="02020603050405020304" charset="0"/>
-            </a:endParaRPr>
-          </a:p>
-          <a:p>
-            <a:pPr>
-              <a:buFont typeface="Arial" panose="020B0604020202020204" pitchFamily="34" charset="0"/>
-              <a:buChar char="•"/>
-            </a:pPr>
-            <a:r>
-              <a:rPr lang="en-US" dirty="0" smtClean="0">
-                <a:latin typeface="Times New Roman" panose="02020603050405020304" charset="0"/>
-                <a:cs typeface="Times New Roman" panose="02020603050405020304" charset="0"/>
-              </a:rPr>
-              <a:t>Entropy regularization to actor’s update:</a:t>
-            </a:r>
-            <a:endParaRPr lang="en-US" dirty="0">
-              <a:latin typeface="Times New Roman" panose="02020603050405020304" charset="0"/>
-              <a:cs typeface="Times New Roman" panose="02020603050405020304" charset="0"/>
-            </a:endParaRPr>
-          </a:p>
-          <a:p>
-            <a:pPr>
-              <a:buFont typeface="Arial" panose="020B0604020202020204" pitchFamily="34" charset="0"/>
-              <a:buChar char="•"/>
-            </a:pPr>
-            <a:endParaRPr lang="en-US" dirty="0" smtClean="0">
-              <a:latin typeface="Times New Roman" panose="02020603050405020304" charset="0"/>
-              <a:cs typeface="Times New Roman" panose="02020603050405020304" charset="0"/>
-            </a:endParaRPr>
-          </a:p>
-          <a:p>
-            <a:pPr marL="0" indent="0">
-              <a:buNone/>
-            </a:pPr>
-            <a:endParaRPr lang="en-US" dirty="0"/>
-          </a:p>
-        </p:txBody>
-      </p:sp>
-      <p:sp>
-        <p:nvSpPr>
-          <p:cNvPr id="4" name="Slide Number"/>
-          <p:cNvSpPr txBox="1">
-            <a:spLocks noGrp="1"/>
-          </p:cNvSpPr>
-          <p:nvPr>
-            <p:ph type="sldNum" sz="quarter" idx="2"/>
-          </p:nvPr>
-        </p:nvSpPr>
-        <p:spPr>
-          <a:xfrm>
-            <a:off x="6026020" y="6585645"/>
-            <a:ext cx="141969" cy="223243"/>
-          </a:xfrm>
-          <a:prstGeom prst="rect">
-            <a:avLst/>
-          </a:prstGeom>
-        </p:spPr>
-        <p:txBody>
-          <a:bodyPr/>
-          <a:lstStyle/>
-          <a:p>
-            <a:fld id="{86CB4B4D-7CA3-9044-876B-883B54F8677D}" type="slidenum">
-              <a:rPr sz="845"/>
-            </a:fld>
-            <a:endParaRPr sz="845" dirty="0"/>
-          </a:p>
-        </p:txBody>
-      </p:sp>
-      <p:pic>
-        <p:nvPicPr>
-          <p:cNvPr id="7" name="Picture 6"/>
-          <p:cNvPicPr>
-            <a:picLocks noChangeAspect="1"/>
-          </p:cNvPicPr>
-          <p:nvPr/>
-        </p:nvPicPr>
-        <p:blipFill>
-          <a:blip r:embed="rId1">
-            <a:extLst>
-              <a:ext uri="{28A0092B-C50C-407E-A947-70E740481C1C}">
-                <a14:useLocalDpi xmlns:a14="http://schemas.microsoft.com/office/drawing/2010/main" val="0"/>
-              </a:ext>
-            </a:extLst>
-          </a:blip>
-          <a:stretch>
-            <a:fillRect/>
-          </a:stretch>
-        </p:blipFill>
-        <p:spPr>
-          <a:xfrm>
-            <a:off x="3653586" y="1436886"/>
-            <a:ext cx="4136049" cy="637165"/>
-          </a:xfrm>
-          <a:prstGeom prst="rect">
-            <a:avLst/>
-          </a:prstGeom>
-        </p:spPr>
-      </p:pic>
-      <p:pic>
-        <p:nvPicPr>
-          <p:cNvPr id="8" name="Picture 7"/>
-          <p:cNvPicPr>
-            <a:picLocks noChangeAspect="1"/>
-          </p:cNvPicPr>
-          <p:nvPr/>
-        </p:nvPicPr>
-        <p:blipFill>
-          <a:blip r:embed="rId2">
-            <a:extLst>
-              <a:ext uri="{28A0092B-C50C-407E-A947-70E740481C1C}">
-                <a14:useLocalDpi xmlns:a14="http://schemas.microsoft.com/office/drawing/2010/main" val="0"/>
-              </a:ext>
-            </a:extLst>
-          </a:blip>
-          <a:stretch>
-            <a:fillRect/>
-          </a:stretch>
-        </p:blipFill>
-        <p:spPr>
-          <a:xfrm>
-            <a:off x="4014524" y="2662398"/>
-            <a:ext cx="3414174" cy="445648"/>
-          </a:xfrm>
-          <a:prstGeom prst="rect">
-            <a:avLst/>
-          </a:prstGeom>
-        </p:spPr>
-      </p:pic>
-      <p:pic>
-        <p:nvPicPr>
-          <p:cNvPr id="9" name="Picture 8"/>
-          <p:cNvPicPr>
-            <a:picLocks noChangeAspect="1"/>
-          </p:cNvPicPr>
-          <p:nvPr/>
-        </p:nvPicPr>
-        <p:blipFill>
-          <a:blip r:embed="rId3">
-            <a:extLst>
-              <a:ext uri="{28A0092B-C50C-407E-A947-70E740481C1C}">
-                <a14:useLocalDpi xmlns:a14="http://schemas.microsoft.com/office/drawing/2010/main" val="0"/>
-              </a:ext>
-            </a:extLst>
-          </a:blip>
-          <a:stretch>
-            <a:fillRect/>
-          </a:stretch>
-        </p:blipFill>
-        <p:spPr>
-          <a:xfrm>
-            <a:off x="3342369" y="3696394"/>
-            <a:ext cx="4758482" cy="445648"/>
-          </a:xfrm>
-          <a:prstGeom prst="rect">
-            <a:avLst/>
-          </a:prstGeom>
-        </p:spPr>
-      </p:pic>
-      <p:pic>
-        <p:nvPicPr>
-          <p:cNvPr id="10" name="Picture 9"/>
-          <p:cNvPicPr>
-            <a:picLocks noChangeAspect="1"/>
-          </p:cNvPicPr>
-          <p:nvPr/>
-        </p:nvPicPr>
-        <p:blipFill>
-          <a:blip r:embed="rId4">
-            <a:extLst>
-              <a:ext uri="{28A0092B-C50C-407E-A947-70E740481C1C}">
-                <a14:useLocalDpi xmlns:a14="http://schemas.microsoft.com/office/drawing/2010/main" val="0"/>
-              </a:ext>
-            </a:extLst>
-          </a:blip>
-          <a:stretch>
-            <a:fillRect/>
-          </a:stretch>
-        </p:blipFill>
-        <p:spPr>
-          <a:xfrm>
-            <a:off x="3834054" y="4736763"/>
-            <a:ext cx="3775112" cy="209933"/>
-          </a:xfrm>
-          <a:prstGeom prst="rect">
-            <a:avLst/>
-          </a:prstGeom>
-        </p:spPr>
-      </p:pic>
-      <p:pic>
-        <p:nvPicPr>
-          <p:cNvPr id="11" name="Picture 10"/>
-          <p:cNvPicPr>
-            <a:picLocks noChangeAspect="1"/>
-          </p:cNvPicPr>
-          <p:nvPr/>
-        </p:nvPicPr>
-        <p:blipFill>
-          <a:blip r:embed="rId5">
-            <a:extLst>
-              <a:ext uri="{28A0092B-C50C-407E-A947-70E740481C1C}">
-                <a14:useLocalDpi xmlns:a14="http://schemas.microsoft.com/office/drawing/2010/main" val="0"/>
-              </a:ext>
-            </a:extLst>
-          </a:blip>
-          <a:stretch>
-            <a:fillRect/>
-          </a:stretch>
-        </p:blipFill>
-        <p:spPr>
-          <a:xfrm>
-            <a:off x="3170070" y="5747307"/>
-            <a:ext cx="5103080" cy="438750"/>
-          </a:xfrm>
-          <a:prstGeom prst="rect">
-            <a:avLst/>
-          </a:prstGeom>
-        </p:spPr>
-      </p:pic>
+              <a:t>borrowed cooked data trace, [timestamp (s), bandwidth (MBps)]</a:t>
+            </a:r>
+            <a:endParaRPr lang="en-US" altLang="zh-CN"/>
+          </a:p>
+          <a:p>
+            <a:r>
+              <a:rPr lang="en-US" altLang="zh-CN"/>
+              <a:t>Request Distribution</a:t>
+            </a:r>
+            <a:endParaRPr lang="en-US" altLang="zh-CN"/>
+          </a:p>
+          <a:p>
+            <a:pPr lvl="1"/>
+            <a:r>
+              <a:rPr lang="en-US" altLang="zh-CN"/>
+              <a:t>Interval with Poisson distribution (mean with 6 seconds)</a:t>
+            </a:r>
+            <a:endParaRPr lang="en-US" altLang="zh-CN"/>
+          </a:p>
+          <a:p>
+            <a:pPr lvl="1"/>
+            <a:r>
+              <a:rPr lang="en-US" altLang="zh-CN"/>
+              <a:t>File Popularity with Zipf (over total 6 files, and randomly generated segments oracle)</a:t>
+            </a:r>
+            <a:endParaRPr lang="en-US" altLang="zh-CN"/>
+          </a:p>
+          <a:p>
+            <a:r>
+              <a:rPr lang="en-US" altLang="zh-CN"/>
+              <a:t>Cache Storage</a:t>
+            </a:r>
+            <a:endParaRPr lang="en-US" altLang="zh-CN"/>
+          </a:p>
+          <a:p>
+            <a:pPr lvl="1"/>
+            <a:r>
+              <a:rPr lang="en-US" altLang="zh-CN"/>
+              <a:t>5 segments, each with 10MB</a:t>
+            </a:r>
+            <a:endParaRPr lang="en-US" altLang="zh-CN"/>
+          </a:p>
+          <a:p>
+            <a:r>
+              <a:rPr lang="en-US" altLang="zh-CN"/>
+              <a:t>Compared with LRU (Least-Recent-Used)</a:t>
+            </a:r>
+            <a:endParaRPr lang="en-US" altLang="zh-CN"/>
+          </a:p>
+          <a:p>
+            <a:endParaRPr lang="en-US" altLang="zh-CN"/>
+          </a:p>
+        </p:txBody>
+      </p:sp>
     </p:spTree>
   </p:cSld>
   <p:clrMapOvr>
     <a:masterClrMapping/>
   </p:clrMapOvr>
-  <p:transition spd="med"/>
-  <p:timing>
-    <p:tnLst>
-      <p:par>
-        <p:cTn id="1" dur="indefinite" restart="never" nodeType="tmRoot"/>
-      </p:par>
-    </p:tnLst>
-  </p:timing>
 </p:sld>
 </file>
 
